--- a/bishe/理解并发程序修改模式.pptx
+++ b/bishe/理解并发程序修改模式.pptx
@@ -9,10 +9,16 @@
     <p:sldId id="257" r:id="rId3"/>
     <p:sldId id="259" r:id="rId4"/>
     <p:sldId id="263" r:id="rId5"/>
-    <p:sldId id="260" r:id="rId6"/>
-    <p:sldId id="261" r:id="rId7"/>
-    <p:sldId id="262" r:id="rId8"/>
-    <p:sldId id="258" r:id="rId9"/>
+    <p:sldId id="264" r:id="rId6"/>
+    <p:sldId id="260" r:id="rId7"/>
+    <p:sldId id="261" r:id="rId8"/>
+    <p:sldId id="265" r:id="rId9"/>
+    <p:sldId id="269" r:id="rId10"/>
+    <p:sldId id="266" r:id="rId11"/>
+    <p:sldId id="267" r:id="rId12"/>
+    <p:sldId id="268" r:id="rId13"/>
+    <p:sldId id="262" r:id="rId14"/>
+    <p:sldId id="258" r:id="rId15"/>
   </p:sldIdLst>
   <p:sldSz cx="9144000" cy="6858000" type="screen4x3"/>
   <p:notesSz cx="6858000" cy="9144000"/>
@@ -250,7 +256,7 @@
           <a:p>
             <a:fld id="{8746A015-5532-4D0B-8B73-24FF41472BA3}" type="datetimeFigureOut">
               <a:rPr lang="zh-CN" altLang="en-US" smtClean="0"/>
-              <a:t>2017/1/8</a:t>
+              <a:t>2017/1/9</a:t>
             </a:fld>
             <a:endParaRPr lang="zh-CN" altLang="en-US"/>
           </a:p>
@@ -420,7 +426,7 @@
           <a:p>
             <a:fld id="{8746A015-5532-4D0B-8B73-24FF41472BA3}" type="datetimeFigureOut">
               <a:rPr lang="zh-CN" altLang="en-US" smtClean="0"/>
-              <a:t>2017/1/8</a:t>
+              <a:t>2017/1/9</a:t>
             </a:fld>
             <a:endParaRPr lang="zh-CN" altLang="en-US"/>
           </a:p>
@@ -600,7 +606,7 @@
           <a:p>
             <a:fld id="{8746A015-5532-4D0B-8B73-24FF41472BA3}" type="datetimeFigureOut">
               <a:rPr lang="zh-CN" altLang="en-US" smtClean="0"/>
-              <a:t>2017/1/8</a:t>
+              <a:t>2017/1/9</a:t>
             </a:fld>
             <a:endParaRPr lang="zh-CN" altLang="en-US"/>
           </a:p>
@@ -770,7 +776,7 @@
           <a:p>
             <a:fld id="{8746A015-5532-4D0B-8B73-24FF41472BA3}" type="datetimeFigureOut">
               <a:rPr lang="zh-CN" altLang="en-US" smtClean="0"/>
-              <a:t>2017/1/8</a:t>
+              <a:t>2017/1/9</a:t>
             </a:fld>
             <a:endParaRPr lang="zh-CN" altLang="en-US"/>
           </a:p>
@@ -1014,7 +1020,7 @@
           <a:p>
             <a:fld id="{8746A015-5532-4D0B-8B73-24FF41472BA3}" type="datetimeFigureOut">
               <a:rPr lang="zh-CN" altLang="en-US" smtClean="0"/>
-              <a:t>2017/1/8</a:t>
+              <a:t>2017/1/9</a:t>
             </a:fld>
             <a:endParaRPr lang="zh-CN" altLang="en-US"/>
           </a:p>
@@ -1246,7 +1252,7 @@
           <a:p>
             <a:fld id="{8746A015-5532-4D0B-8B73-24FF41472BA3}" type="datetimeFigureOut">
               <a:rPr lang="zh-CN" altLang="en-US" smtClean="0"/>
-              <a:t>2017/1/8</a:t>
+              <a:t>2017/1/9</a:t>
             </a:fld>
             <a:endParaRPr lang="zh-CN" altLang="en-US"/>
           </a:p>
@@ -1613,7 +1619,7 @@
           <a:p>
             <a:fld id="{8746A015-5532-4D0B-8B73-24FF41472BA3}" type="datetimeFigureOut">
               <a:rPr lang="zh-CN" altLang="en-US" smtClean="0"/>
-              <a:t>2017/1/8</a:t>
+              <a:t>2017/1/9</a:t>
             </a:fld>
             <a:endParaRPr lang="zh-CN" altLang="en-US"/>
           </a:p>
@@ -1731,7 +1737,7 @@
           <a:p>
             <a:fld id="{8746A015-5532-4D0B-8B73-24FF41472BA3}" type="datetimeFigureOut">
               <a:rPr lang="zh-CN" altLang="en-US" smtClean="0"/>
-              <a:t>2017/1/8</a:t>
+              <a:t>2017/1/9</a:t>
             </a:fld>
             <a:endParaRPr lang="zh-CN" altLang="en-US"/>
           </a:p>
@@ -1826,7 +1832,7 @@
           <a:p>
             <a:fld id="{8746A015-5532-4D0B-8B73-24FF41472BA3}" type="datetimeFigureOut">
               <a:rPr lang="zh-CN" altLang="en-US" smtClean="0"/>
-              <a:t>2017/1/8</a:t>
+              <a:t>2017/1/9</a:t>
             </a:fld>
             <a:endParaRPr lang="zh-CN" altLang="en-US"/>
           </a:p>
@@ -2103,7 +2109,7 @@
           <a:p>
             <a:fld id="{8746A015-5532-4D0B-8B73-24FF41472BA3}" type="datetimeFigureOut">
               <a:rPr lang="zh-CN" altLang="en-US" smtClean="0"/>
-              <a:t>2017/1/8</a:t>
+              <a:t>2017/1/9</a:t>
             </a:fld>
             <a:endParaRPr lang="zh-CN" altLang="en-US"/>
           </a:p>
@@ -2360,7 +2366,7 @@
           <a:p>
             <a:fld id="{8746A015-5532-4D0B-8B73-24FF41472BA3}" type="datetimeFigureOut">
               <a:rPr lang="zh-CN" altLang="en-US" smtClean="0"/>
-              <a:t>2017/1/8</a:t>
+              <a:t>2017/1/9</a:t>
             </a:fld>
             <a:endParaRPr lang="zh-CN" altLang="en-US"/>
           </a:p>
@@ -2573,7 +2579,7 @@
           <a:p>
             <a:fld id="{8746A015-5532-4D0B-8B73-24FF41472BA3}" type="datetimeFigureOut">
               <a:rPr lang="zh-CN" altLang="en-US" smtClean="0"/>
-              <a:t>2017/1/8</a:t>
+              <a:t>2017/1/9</a:t>
             </a:fld>
             <a:endParaRPr lang="zh-CN" altLang="en-US"/>
           </a:p>
@@ -3050,6 +3056,469 @@
 </p:sld>
 </file>
 
+<file path=ppt/slides/slide10.xml><?xml version="1.0" encoding="utf-8"?>
+<p:sld xmlns:a="http://schemas.openxmlformats.org/drawingml/2006/main" xmlns:r="http://schemas.openxmlformats.org/officeDocument/2006/relationships" xmlns:p="http://schemas.openxmlformats.org/presentationml/2006/main">
+  <p:cSld>
+    <p:spTree>
+      <p:nvGrpSpPr>
+        <p:cNvPr id="1" name=""/>
+        <p:cNvGrpSpPr/>
+        <p:nvPr/>
+      </p:nvGrpSpPr>
+      <p:grpSpPr>
+        <a:xfrm>
+          <a:off x="0" y="0"/>
+          <a:ext cx="0" cy="0"/>
+          <a:chOff x="0" y="0"/>
+          <a:chExt cx="0" cy="0"/>
+        </a:xfrm>
+      </p:grpSpPr>
+      <p:sp>
+        <p:nvSpPr>
+          <p:cNvPr id="2" name="标题 1"/>
+          <p:cNvSpPr>
+            <a:spLocks noGrp="1"/>
+          </p:cNvSpPr>
+          <p:nvPr>
+            <p:ph type="title"/>
+          </p:nvPr>
+        </p:nvSpPr>
+        <p:spPr/>
+        <p:txBody>
+          <a:bodyPr/>
+          <a:lstStyle/>
+          <a:p>
+            <a:r>
+              <a:rPr lang="zh-CN" altLang="en-US" dirty="0"/>
+              <a:t>结果 </a:t>
+            </a:r>
+            <a:r>
+              <a:rPr lang="en-US" altLang="zh-CN" dirty="0"/>
+              <a:t>– RQ2</a:t>
+            </a:r>
+            <a:endParaRPr lang="zh-CN" altLang="en-US" dirty="0"/>
+          </a:p>
+        </p:txBody>
+      </p:sp>
+      <p:sp>
+        <p:nvSpPr>
+          <p:cNvPr id="3" name="内容占位符 2"/>
+          <p:cNvSpPr>
+            <a:spLocks noGrp="1"/>
+          </p:cNvSpPr>
+          <p:nvPr>
+            <p:ph idx="1"/>
+          </p:nvPr>
+        </p:nvSpPr>
+        <p:spPr/>
+        <p:txBody>
+          <a:bodyPr/>
+          <a:lstStyle/>
+          <a:p>
+            <a:endParaRPr lang="zh-CN" altLang="en-US" dirty="0"/>
+          </a:p>
+        </p:txBody>
+      </p:sp>
+      <p:pic>
+        <p:nvPicPr>
+          <p:cNvPr id="4" name="图片 3"/>
+          <p:cNvPicPr>
+            <a:picLocks noChangeAspect="1"/>
+          </p:cNvPicPr>
+          <p:nvPr/>
+        </p:nvPicPr>
+        <p:blipFill>
+          <a:blip r:embed="rId2"/>
+          <a:stretch>
+            <a:fillRect/>
+          </a:stretch>
+        </p:blipFill>
+        <p:spPr>
+          <a:xfrm>
+            <a:off x="907638" y="1406770"/>
+            <a:ext cx="7047370" cy="5431134"/>
+          </a:xfrm>
+          <a:prstGeom prst="rect">
+            <a:avLst/>
+          </a:prstGeom>
+        </p:spPr>
+      </p:pic>
+    </p:spTree>
+    <p:extLst>
+      <p:ext uri="{BB962C8B-B14F-4D97-AF65-F5344CB8AC3E}">
+        <p14:creationId xmlns:p14="http://schemas.microsoft.com/office/powerpoint/2010/main" val="4086677032"/>
+      </p:ext>
+    </p:extLst>
+  </p:cSld>
+  <p:clrMapOvr>
+    <a:masterClrMapping/>
+  </p:clrMapOvr>
+</p:sld>
+</file>
+
+<file path=ppt/slides/slide11.xml><?xml version="1.0" encoding="utf-8"?>
+<p:sld xmlns:a="http://schemas.openxmlformats.org/drawingml/2006/main" xmlns:r="http://schemas.openxmlformats.org/officeDocument/2006/relationships" xmlns:p="http://schemas.openxmlformats.org/presentationml/2006/main">
+  <p:cSld>
+    <p:spTree>
+      <p:nvGrpSpPr>
+        <p:cNvPr id="1" name=""/>
+        <p:cNvGrpSpPr/>
+        <p:nvPr/>
+      </p:nvGrpSpPr>
+      <p:grpSpPr>
+        <a:xfrm>
+          <a:off x="0" y="0"/>
+          <a:ext cx="0" cy="0"/>
+          <a:chOff x="0" y="0"/>
+          <a:chExt cx="0" cy="0"/>
+        </a:xfrm>
+      </p:grpSpPr>
+      <p:sp>
+        <p:nvSpPr>
+          <p:cNvPr id="2" name="标题 1"/>
+          <p:cNvSpPr>
+            <a:spLocks noGrp="1"/>
+          </p:cNvSpPr>
+          <p:nvPr>
+            <p:ph type="title"/>
+          </p:nvPr>
+        </p:nvSpPr>
+        <p:spPr/>
+        <p:txBody>
+          <a:bodyPr/>
+          <a:lstStyle/>
+          <a:p>
+            <a:r>
+              <a:rPr lang="zh-CN" altLang="en-US" dirty="0"/>
+              <a:t>结果 </a:t>
+            </a:r>
+            <a:r>
+              <a:rPr lang="en-US" altLang="zh-CN" dirty="0"/>
+              <a:t>– RQ3</a:t>
+            </a:r>
+            <a:endParaRPr lang="zh-CN" altLang="en-US" dirty="0"/>
+          </a:p>
+        </p:txBody>
+      </p:sp>
+      <p:sp>
+        <p:nvSpPr>
+          <p:cNvPr id="3" name="内容占位符 2"/>
+          <p:cNvSpPr>
+            <a:spLocks noGrp="1"/>
+          </p:cNvSpPr>
+          <p:nvPr>
+            <p:ph idx="1"/>
+          </p:nvPr>
+        </p:nvSpPr>
+        <p:spPr/>
+        <p:txBody>
+          <a:bodyPr/>
+          <a:lstStyle/>
+          <a:p>
+            <a:r>
+              <a:rPr lang="zh-CN" altLang="en-US" dirty="0"/>
+              <a:t>暂无</a:t>
+            </a:r>
+          </a:p>
+        </p:txBody>
+      </p:sp>
+    </p:spTree>
+    <p:extLst>
+      <p:ext uri="{BB962C8B-B14F-4D97-AF65-F5344CB8AC3E}">
+        <p14:creationId xmlns:p14="http://schemas.microsoft.com/office/powerpoint/2010/main" val="3156265483"/>
+      </p:ext>
+    </p:extLst>
+  </p:cSld>
+  <p:clrMapOvr>
+    <a:masterClrMapping/>
+  </p:clrMapOvr>
+</p:sld>
+</file>
+
+<file path=ppt/slides/slide12.xml><?xml version="1.0" encoding="utf-8"?>
+<p:sld xmlns:a="http://schemas.openxmlformats.org/drawingml/2006/main" xmlns:r="http://schemas.openxmlformats.org/officeDocument/2006/relationships" xmlns:p="http://schemas.openxmlformats.org/presentationml/2006/main">
+  <p:cSld>
+    <p:spTree>
+      <p:nvGrpSpPr>
+        <p:cNvPr id="1" name=""/>
+        <p:cNvGrpSpPr/>
+        <p:nvPr/>
+      </p:nvGrpSpPr>
+      <p:grpSpPr>
+        <a:xfrm>
+          <a:off x="0" y="0"/>
+          <a:ext cx="0" cy="0"/>
+          <a:chOff x="0" y="0"/>
+          <a:chExt cx="0" cy="0"/>
+        </a:xfrm>
+      </p:grpSpPr>
+      <p:sp>
+        <p:nvSpPr>
+          <p:cNvPr id="2" name="标题 1"/>
+          <p:cNvSpPr>
+            <a:spLocks noGrp="1"/>
+          </p:cNvSpPr>
+          <p:nvPr>
+            <p:ph type="title"/>
+          </p:nvPr>
+        </p:nvSpPr>
+        <p:spPr/>
+        <p:txBody>
+          <a:bodyPr/>
+          <a:lstStyle/>
+          <a:p>
+            <a:r>
+              <a:rPr lang="zh-CN" altLang="en-US" dirty="0"/>
+              <a:t>结果 </a:t>
+            </a:r>
+            <a:r>
+              <a:rPr lang="en-US" altLang="zh-CN" dirty="0"/>
+              <a:t>– RQ4</a:t>
+            </a:r>
+            <a:endParaRPr lang="zh-CN" altLang="en-US" dirty="0"/>
+          </a:p>
+        </p:txBody>
+      </p:sp>
+      <p:sp>
+        <p:nvSpPr>
+          <p:cNvPr id="3" name="内容占位符 2"/>
+          <p:cNvSpPr>
+            <a:spLocks noGrp="1"/>
+          </p:cNvSpPr>
+          <p:nvPr>
+            <p:ph idx="1"/>
+          </p:nvPr>
+        </p:nvSpPr>
+        <p:spPr/>
+        <p:txBody>
+          <a:bodyPr/>
+          <a:lstStyle/>
+          <a:p>
+            <a:r>
+              <a:rPr lang="zh-CN" altLang="en-US" dirty="0"/>
+              <a:t>提出</a:t>
+            </a:r>
+            <a:r>
+              <a:rPr lang="en-US" altLang="zh-CN" dirty="0"/>
+              <a:t>Pull Request</a:t>
+            </a:r>
+            <a:r>
+              <a:rPr lang="zh-CN" altLang="en-US" dirty="0"/>
+              <a:t>，期望被合并</a:t>
+            </a:r>
+            <a:endParaRPr lang="en-US" altLang="zh-CN" dirty="0"/>
+          </a:p>
+          <a:p>
+            <a:r>
+              <a:rPr lang="zh-CN" altLang="en-US" dirty="0"/>
+              <a:t>已经有被合并的请求</a:t>
+            </a:r>
+          </a:p>
+        </p:txBody>
+      </p:sp>
+    </p:spTree>
+    <p:extLst>
+      <p:ext uri="{BB962C8B-B14F-4D97-AF65-F5344CB8AC3E}">
+        <p14:creationId xmlns:p14="http://schemas.microsoft.com/office/powerpoint/2010/main" val="563408754"/>
+      </p:ext>
+    </p:extLst>
+  </p:cSld>
+  <p:clrMapOvr>
+    <a:masterClrMapping/>
+  </p:clrMapOvr>
+</p:sld>
+</file>
+
+<file path=ppt/slides/slide13.xml><?xml version="1.0" encoding="utf-8"?>
+<p:sld xmlns:a="http://schemas.openxmlformats.org/drawingml/2006/main" xmlns:r="http://schemas.openxmlformats.org/officeDocument/2006/relationships" xmlns:p="http://schemas.openxmlformats.org/presentationml/2006/main">
+  <p:cSld>
+    <p:spTree>
+      <p:nvGrpSpPr>
+        <p:cNvPr id="1" name=""/>
+        <p:cNvGrpSpPr/>
+        <p:nvPr/>
+      </p:nvGrpSpPr>
+      <p:grpSpPr>
+        <a:xfrm>
+          <a:off x="0" y="0"/>
+          <a:ext cx="0" cy="0"/>
+          <a:chOff x="0" y="0"/>
+          <a:chExt cx="0" cy="0"/>
+        </a:xfrm>
+      </p:grpSpPr>
+      <p:sp>
+        <p:nvSpPr>
+          <p:cNvPr id="2" name="标题 1"/>
+          <p:cNvSpPr>
+            <a:spLocks noGrp="1"/>
+          </p:cNvSpPr>
+          <p:nvPr>
+            <p:ph type="title"/>
+          </p:nvPr>
+        </p:nvSpPr>
+        <p:spPr/>
+        <p:txBody>
+          <a:bodyPr/>
+          <a:lstStyle/>
+          <a:p>
+            <a:r>
+              <a:rPr lang="zh-CN" altLang="en-US" dirty="0"/>
+              <a:t>进度</a:t>
+            </a:r>
+          </a:p>
+        </p:txBody>
+      </p:sp>
+      <p:sp>
+        <p:nvSpPr>
+          <p:cNvPr id="3" name="内容占位符 2"/>
+          <p:cNvSpPr>
+            <a:spLocks noGrp="1"/>
+          </p:cNvSpPr>
+          <p:nvPr>
+            <p:ph idx="1"/>
+          </p:nvPr>
+        </p:nvSpPr>
+        <p:spPr/>
+        <p:txBody>
+          <a:bodyPr/>
+          <a:lstStyle/>
+          <a:p>
+            <a:r>
+              <a:rPr lang="zh-CN" altLang="en-US" dirty="0"/>
+              <a:t>进行中</a:t>
+            </a:r>
+            <a:endParaRPr lang="en-US" altLang="zh-CN" dirty="0"/>
+          </a:p>
+          <a:p>
+            <a:r>
+              <a:rPr lang="en-US" altLang="zh-CN" dirty="0"/>
+              <a:t>3</a:t>
+            </a:r>
+            <a:r>
+              <a:rPr lang="zh-CN" altLang="en-US" dirty="0"/>
+              <a:t>月份投个</a:t>
+            </a:r>
+            <a:r>
+              <a:rPr lang="en-US" altLang="zh-CN" dirty="0"/>
+              <a:t>B</a:t>
+            </a:r>
+            <a:r>
+              <a:rPr lang="zh-CN" altLang="en-US" dirty="0"/>
+              <a:t>类</a:t>
+            </a:r>
+          </a:p>
+        </p:txBody>
+      </p:sp>
+    </p:spTree>
+    <p:extLst>
+      <p:ext uri="{BB962C8B-B14F-4D97-AF65-F5344CB8AC3E}">
+        <p14:creationId xmlns:p14="http://schemas.microsoft.com/office/powerpoint/2010/main" val="1652730321"/>
+      </p:ext>
+    </p:extLst>
+  </p:cSld>
+  <p:clrMapOvr>
+    <a:masterClrMapping/>
+  </p:clrMapOvr>
+</p:sld>
+</file>
+
+<file path=ppt/slides/slide14.xml><?xml version="1.0" encoding="utf-8"?>
+<p:sld xmlns:a="http://schemas.openxmlformats.org/drawingml/2006/main" xmlns:r="http://schemas.openxmlformats.org/officeDocument/2006/relationships" xmlns:p="http://schemas.openxmlformats.org/presentationml/2006/main">
+  <p:cSld>
+    <p:spTree>
+      <p:nvGrpSpPr>
+        <p:cNvPr id="1" name=""/>
+        <p:cNvGrpSpPr/>
+        <p:nvPr/>
+      </p:nvGrpSpPr>
+      <p:grpSpPr>
+        <a:xfrm>
+          <a:off x="0" y="0"/>
+          <a:ext cx="0" cy="0"/>
+          <a:chOff x="0" y="0"/>
+          <a:chExt cx="0" cy="0"/>
+        </a:xfrm>
+      </p:grpSpPr>
+      <p:sp>
+        <p:nvSpPr>
+          <p:cNvPr id="2" name="标题 1"/>
+          <p:cNvSpPr>
+            <a:spLocks noGrp="1"/>
+          </p:cNvSpPr>
+          <p:nvPr>
+            <p:ph type="title"/>
+          </p:nvPr>
+        </p:nvSpPr>
+        <p:spPr/>
+        <p:txBody>
+          <a:bodyPr/>
+          <a:lstStyle/>
+          <a:p>
+            <a:r>
+              <a:rPr lang="zh-CN" altLang="en-US" dirty="0"/>
+              <a:t>引用</a:t>
+            </a:r>
+          </a:p>
+        </p:txBody>
+      </p:sp>
+      <p:sp>
+        <p:nvSpPr>
+          <p:cNvPr id="3" name="内容占位符 2"/>
+          <p:cNvSpPr>
+            <a:spLocks noGrp="1"/>
+          </p:cNvSpPr>
+          <p:nvPr>
+            <p:ph idx="1"/>
+          </p:nvPr>
+        </p:nvSpPr>
+        <p:spPr/>
+        <p:txBody>
+          <a:bodyPr/>
+          <a:lstStyle/>
+          <a:p>
+            <a:r>
+              <a:rPr lang="en-US" altLang="zh-CN" dirty="0"/>
+              <a:t>[1] Pinto, Gustavo, et al. "A large-scale study on the usage of java’s concurrent programming constructs." Journal of Systems and Software 106 (2015): 59-81.</a:t>
+            </a:r>
+          </a:p>
+          <a:p>
+            <a:r>
+              <a:rPr lang="en-US" altLang="zh-CN" dirty="0"/>
+              <a:t>[2] Lin, </a:t>
+            </a:r>
+            <a:r>
+              <a:rPr lang="en-US" altLang="zh-CN" dirty="0" err="1"/>
+              <a:t>Ziyi</a:t>
+            </a:r>
+            <a:r>
+              <a:rPr lang="en-US" altLang="zh-CN" dirty="0"/>
+              <a:t>, et al. "</a:t>
+            </a:r>
+            <a:r>
+              <a:rPr lang="en-US" altLang="zh-CN" dirty="0" err="1"/>
+              <a:t>JaConTeBe</a:t>
+            </a:r>
+            <a:r>
+              <a:rPr lang="en-US" altLang="zh-CN" dirty="0"/>
+              <a:t>: A Benchmark Suite of Real-World Java Concurrency Bugs (T)." Automated Software Engineering (ASE), 2015 30th IEEE/ACM International Conference on. IEEE, 2015.</a:t>
+            </a:r>
+            <a:endParaRPr lang="zh-CN" altLang="en-US" dirty="0"/>
+          </a:p>
+        </p:txBody>
+      </p:sp>
+    </p:spTree>
+    <p:extLst>
+      <p:ext uri="{BB962C8B-B14F-4D97-AF65-F5344CB8AC3E}">
+        <p14:creationId xmlns:p14="http://schemas.microsoft.com/office/powerpoint/2010/main" val="3118026555"/>
+      </p:ext>
+    </p:extLst>
+  </p:cSld>
+  <p:clrMapOvr>
+    <a:masterClrMapping/>
+  </p:clrMapOvr>
+</p:sld>
+</file>
+
 <file path=ppt/slides/slide2.xml><?xml version="1.0" encoding="utf-8"?>
 <p:sld xmlns:a="http://schemas.openxmlformats.org/drawingml/2006/main" xmlns:r="http://schemas.openxmlformats.org/officeDocument/2006/relationships" xmlns:p="http://schemas.openxmlformats.org/presentationml/2006/main">
   <p:cSld>
@@ -3395,7 +3864,17 @@
           <a:bodyPr/>
           <a:lstStyle/>
           <a:p>
-            <a:endParaRPr lang="zh-CN" altLang="en-US" dirty="0"/>
+            <a:r>
+              <a:rPr lang="zh-CN" altLang="en-US" dirty="0"/>
+              <a:t>如何在海量的代码修改中选出并发相关的修改</a:t>
+            </a:r>
+            <a:endParaRPr lang="en-US" altLang="zh-CN" dirty="0"/>
+          </a:p>
+          <a:p>
+            <a:r>
+              <a:rPr lang="zh-CN" altLang="en-US" dirty="0"/>
+              <a:t>如何识别那些上下文依赖是修改模式相关的</a:t>
+            </a:r>
           </a:p>
         </p:txBody>
       </p:sp>
@@ -3446,7 +3925,7 @@
           <a:p>
             <a:r>
               <a:rPr lang="zh-CN" altLang="en-US" dirty="0"/>
-              <a:t>方法</a:t>
+              <a:t>数据集</a:t>
             </a:r>
           </a:p>
         </p:txBody>
@@ -3466,32 +3945,38 @@
           <a:bodyPr/>
           <a:lstStyle/>
           <a:p>
-            <a:r>
-              <a:rPr lang="zh-CN" altLang="en-US" dirty="0"/>
-              <a:t>提取软件库修改历史</a:t>
-            </a:r>
-          </a:p>
-          <a:p>
-            <a:r>
-              <a:rPr lang="zh-CN" altLang="en-US" dirty="0"/>
-              <a:t>使用一定的方法选出并发相关修改</a:t>
-            </a:r>
-          </a:p>
-          <a:p>
-            <a:r>
-              <a:rPr lang="zh-CN" altLang="en-US" dirty="0"/>
-              <a:t>对修改模式进行识别和分类</a:t>
-            </a:r>
-          </a:p>
-          <a:p>
-            <a:endParaRPr lang="zh-CN" altLang="en-US" dirty="0"/>
-          </a:p>
-        </p:txBody>
-      </p:sp>
+            <a:endParaRPr lang="zh-CN" altLang="en-US"/>
+          </a:p>
+        </p:txBody>
+      </p:sp>
+      <p:pic>
+        <p:nvPicPr>
+          <p:cNvPr id="4" name="图片 3"/>
+          <p:cNvPicPr>
+            <a:picLocks noChangeAspect="1"/>
+          </p:cNvPicPr>
+          <p:nvPr/>
+        </p:nvPicPr>
+        <p:blipFill>
+          <a:blip r:embed="rId2"/>
+          <a:stretch>
+            <a:fillRect/>
+          </a:stretch>
+        </p:blipFill>
+        <p:spPr>
+          <a:xfrm>
+            <a:off x="0" y="1575623"/>
+            <a:ext cx="9144000" cy="4851341"/>
+          </a:xfrm>
+          <a:prstGeom prst="rect">
+            <a:avLst/>
+          </a:prstGeom>
+        </p:spPr>
+      </p:pic>
     </p:spTree>
     <p:extLst>
       <p:ext uri="{BB962C8B-B14F-4D97-AF65-F5344CB8AC3E}">
-        <p14:creationId xmlns:p14="http://schemas.microsoft.com/office/powerpoint/2010/main" val="3783666927"/>
+        <p14:creationId xmlns:p14="http://schemas.microsoft.com/office/powerpoint/2010/main" val="3556929519"/>
       </p:ext>
     </p:extLst>
   </p:cSld>
@@ -3535,7 +4020,7 @@
           <a:p>
             <a:r>
               <a:rPr lang="zh-CN" altLang="en-US" dirty="0"/>
-              <a:t>结果</a:t>
+              <a:t>方法</a:t>
             </a:r>
           </a:p>
         </p:txBody>
@@ -3556,27 +4041,23 @@
           <a:lstStyle/>
           <a:p>
             <a:r>
-              <a:rPr lang="en-US" altLang="zh-CN" dirty="0"/>
-              <a:t>RQ1</a:t>
-            </a:r>
-          </a:p>
-          <a:p>
-            <a:r>
-              <a:rPr lang="en-US" altLang="zh-CN" dirty="0"/>
-              <a:t>RQ2</a:t>
-            </a:r>
-          </a:p>
-          <a:p>
-            <a:r>
-              <a:rPr lang="en-US" altLang="zh-CN" dirty="0"/>
-              <a:t>RQ3</a:t>
-            </a:r>
-          </a:p>
-          <a:p>
-            <a:r>
-              <a:rPr lang="en-US" altLang="zh-CN" dirty="0"/>
-              <a:t>RQ4</a:t>
-            </a:r>
+              <a:rPr lang="zh-CN" altLang="en-US" dirty="0"/>
+              <a:t>提取软件库修改历史</a:t>
+            </a:r>
+          </a:p>
+          <a:p>
+            <a:r>
+              <a:rPr lang="zh-CN" altLang="en-US" dirty="0"/>
+              <a:t>使用一定的方法选出并发相关修改</a:t>
+            </a:r>
+          </a:p>
+          <a:p>
+            <a:r>
+              <a:rPr lang="zh-CN" altLang="en-US" dirty="0"/>
+              <a:t>对修改模式进行识别和分类</a:t>
+            </a:r>
+          </a:p>
+          <a:p>
             <a:endParaRPr lang="zh-CN" altLang="en-US" dirty="0"/>
           </a:p>
         </p:txBody>
@@ -3584,7 +4065,7 @@
     </p:spTree>
     <p:extLst>
       <p:ext uri="{BB962C8B-B14F-4D97-AF65-F5344CB8AC3E}">
-        <p14:creationId xmlns:p14="http://schemas.microsoft.com/office/powerpoint/2010/main" val="45279560"/>
+        <p14:creationId xmlns:p14="http://schemas.microsoft.com/office/powerpoint/2010/main" val="3783666927"/>
       </p:ext>
     </p:extLst>
   </p:cSld>
@@ -3628,7 +4109,7 @@
           <a:p>
             <a:r>
               <a:rPr lang="zh-CN" altLang="en-US" dirty="0"/>
-              <a:t>进度</a:t>
+              <a:t>结果</a:t>
             </a:r>
           </a:p>
         </p:txBody>
@@ -3649,31 +4130,26 @@
           <a:lstStyle/>
           <a:p>
             <a:r>
-              <a:rPr lang="zh-CN" altLang="en-US" dirty="0"/>
-              <a:t>进行中</a:t>
-            </a:r>
-            <a:endParaRPr lang="en-US" altLang="zh-CN" dirty="0"/>
-          </a:p>
-          <a:p>
-            <a:r>
               <a:rPr lang="en-US" altLang="zh-CN" dirty="0"/>
-              <a:t>3</a:t>
-            </a:r>
-            <a:r>
-              <a:rPr lang="zh-CN" altLang="en-US" dirty="0"/>
-              <a:t>月份投</a:t>
-            </a:r>
+              <a:t>RQ1</a:t>
+            </a:r>
+          </a:p>
+          <a:p>
             <a:r>
               <a:rPr lang="en-US" altLang="zh-CN" dirty="0"/>
-              <a:t>ICSME (33</a:t>
-            </a:r>
-            <a:r>
-              <a:rPr lang="en-US" altLang="zh-CN" baseline="30000" dirty="0"/>
-              <a:t>rd</a:t>
-            </a:r>
+              <a:t>RQ2</a:t>
+            </a:r>
+          </a:p>
+          <a:p>
             <a:r>
               <a:rPr lang="en-US" altLang="zh-CN" dirty="0"/>
-              <a:t> IEEE International Conference on Software Maintenance and Evolution)</a:t>
+              <a:t>RQ3</a:t>
+            </a:r>
+          </a:p>
+          <a:p>
+            <a:r>
+              <a:rPr lang="en-US" altLang="zh-CN" dirty="0"/>
+              <a:t>RQ4</a:t>
             </a:r>
             <a:endParaRPr lang="zh-CN" altLang="en-US" dirty="0"/>
           </a:p>
@@ -3682,7 +4158,7 @@
     </p:spTree>
     <p:extLst>
       <p:ext uri="{BB962C8B-B14F-4D97-AF65-F5344CB8AC3E}">
-        <p14:creationId xmlns:p14="http://schemas.microsoft.com/office/powerpoint/2010/main" val="1652730321"/>
+        <p14:creationId xmlns:p14="http://schemas.microsoft.com/office/powerpoint/2010/main" val="45279560"/>
       </p:ext>
     </p:extLst>
   </p:cSld>
@@ -3726,60 +4202,135 @@
           <a:p>
             <a:r>
               <a:rPr lang="zh-CN" altLang="en-US" dirty="0"/>
-              <a:t>引用</a:t>
-            </a:r>
-          </a:p>
-        </p:txBody>
-      </p:sp>
-      <p:sp>
-        <p:nvSpPr>
-          <p:cNvPr id="3" name="内容占位符 2"/>
-          <p:cNvSpPr>
-            <a:spLocks noGrp="1"/>
-          </p:cNvSpPr>
+              <a:t>结果 </a:t>
+            </a:r>
+            <a:r>
+              <a:rPr lang="en-US" altLang="zh-CN" dirty="0"/>
+              <a:t>- RQ1</a:t>
+            </a:r>
+            <a:endParaRPr lang="zh-CN" altLang="en-US" dirty="0"/>
+          </a:p>
+        </p:txBody>
+      </p:sp>
+      <p:pic>
+        <p:nvPicPr>
+          <p:cNvPr id="4" name="内容占位符 3"/>
+          <p:cNvPicPr>
+            <a:picLocks noGrp="1" noChangeAspect="1"/>
+          </p:cNvPicPr>
           <p:nvPr>
             <p:ph idx="1"/>
           </p:nvPr>
-        </p:nvSpPr>
-        <p:spPr/>
-        <p:txBody>
-          <a:bodyPr/>
-          <a:lstStyle/>
-          <a:p>
-            <a:r>
-              <a:rPr lang="en-US" altLang="zh-CN" dirty="0"/>
-              <a:t>[1] Pinto, Gustavo, et al. "A large-scale study on the usage of java’s concurrent programming constructs." Journal of Systems and Software 106 (2015): 59-81.</a:t>
-            </a:r>
-          </a:p>
-          <a:p>
-            <a:r>
-              <a:rPr lang="en-US" altLang="zh-CN" dirty="0"/>
-              <a:t>[2] Lin, </a:t>
-            </a:r>
-            <a:r>
-              <a:rPr lang="en-US" altLang="zh-CN" dirty="0" err="1"/>
-              <a:t>Ziyi</a:t>
-            </a:r>
-            <a:r>
-              <a:rPr lang="en-US" altLang="zh-CN" dirty="0"/>
-              <a:t>, et al. "</a:t>
-            </a:r>
-            <a:r>
-              <a:rPr lang="en-US" altLang="zh-CN" dirty="0" err="1"/>
-              <a:t>JaConTeBe</a:t>
-            </a:r>
-            <a:r>
-              <a:rPr lang="en-US" altLang="zh-CN" dirty="0"/>
-              <a:t>: A Benchmark Suite of Real-World Java Concurrency Bugs (T)." Automated Software Engineering (ASE), 2015 30th IEEE/ACM International Conference on. IEEE, 2015.</a:t>
-            </a:r>
-            <a:endParaRPr lang="zh-CN" altLang="en-US" dirty="0"/>
-          </a:p>
-        </p:txBody>
-      </p:sp>
+        </p:nvPicPr>
+        <p:blipFill>
+          <a:blip r:embed="rId2">
+            <a:extLst>
+              <a:ext uri="{28A0092B-C50C-407E-A947-70E740481C1C}">
+                <a14:useLocalDpi xmlns:a14="http://schemas.microsoft.com/office/drawing/2010/main" val="0"/>
+              </a:ext>
+            </a:extLst>
+          </a:blip>
+          <a:stretch>
+            <a:fillRect/>
+          </a:stretch>
+        </p:blipFill>
+        <p:spPr>
+          <a:xfrm>
+            <a:off x="0" y="1313385"/>
+            <a:ext cx="9144000" cy="5544615"/>
+          </a:xfrm>
+        </p:spPr>
+      </p:pic>
     </p:spTree>
     <p:extLst>
       <p:ext uri="{BB962C8B-B14F-4D97-AF65-F5344CB8AC3E}">
-        <p14:creationId xmlns:p14="http://schemas.microsoft.com/office/powerpoint/2010/main" val="3118026555"/>
+        <p14:creationId xmlns:p14="http://schemas.microsoft.com/office/powerpoint/2010/main" val="3829158923"/>
+      </p:ext>
+    </p:extLst>
+  </p:cSld>
+  <p:clrMapOvr>
+    <a:masterClrMapping/>
+  </p:clrMapOvr>
+</p:sld>
+</file>
+
+<file path=ppt/slides/slide9.xml><?xml version="1.0" encoding="utf-8"?>
+<p:sld xmlns:a="http://schemas.openxmlformats.org/drawingml/2006/main" xmlns:r="http://schemas.openxmlformats.org/officeDocument/2006/relationships" xmlns:p="http://schemas.openxmlformats.org/presentationml/2006/main">
+  <p:cSld>
+    <p:spTree>
+      <p:nvGrpSpPr>
+        <p:cNvPr id="1" name=""/>
+        <p:cNvGrpSpPr/>
+        <p:nvPr/>
+      </p:nvGrpSpPr>
+      <p:grpSpPr>
+        <a:xfrm>
+          <a:off x="0" y="0"/>
+          <a:ext cx="0" cy="0"/>
+          <a:chOff x="0" y="0"/>
+          <a:chExt cx="0" cy="0"/>
+        </a:xfrm>
+      </p:grpSpPr>
+      <p:sp>
+        <p:nvSpPr>
+          <p:cNvPr id="2" name="标题 1"/>
+          <p:cNvSpPr>
+            <a:spLocks noGrp="1"/>
+          </p:cNvSpPr>
+          <p:nvPr>
+            <p:ph type="title"/>
+          </p:nvPr>
+        </p:nvSpPr>
+        <p:spPr/>
+        <p:txBody>
+          <a:bodyPr/>
+          <a:lstStyle/>
+          <a:p>
+            <a:r>
+              <a:rPr lang="zh-CN" altLang="en-US" dirty="0"/>
+              <a:t>结果 </a:t>
+            </a:r>
+            <a:r>
+              <a:rPr lang="en-US" altLang="zh-CN" dirty="0"/>
+              <a:t>- RQ1</a:t>
+            </a:r>
+            <a:endParaRPr lang="zh-CN" altLang="en-US" dirty="0"/>
+          </a:p>
+        </p:txBody>
+      </p:sp>
+      <p:sp>
+        <p:nvSpPr>
+          <p:cNvPr id="3" name="内容占位符 2"/>
+          <p:cNvSpPr>
+            <a:spLocks noGrp="1"/>
+          </p:cNvSpPr>
+          <p:nvPr>
+            <p:ph idx="1"/>
+          </p:nvPr>
+        </p:nvSpPr>
+        <p:spPr/>
+        <p:txBody>
+          <a:bodyPr/>
+          <a:lstStyle/>
+          <a:p>
+            <a:r>
+              <a:rPr lang="zh-CN" altLang="en-US" dirty="0"/>
+              <a:t>并发机制的调整</a:t>
+            </a:r>
+            <a:endParaRPr lang="en-US" altLang="zh-CN" dirty="0"/>
+          </a:p>
+          <a:p>
+            <a:r>
+              <a:rPr lang="zh-CN" altLang="en-US" dirty="0"/>
+              <a:t>使用或替换并发相关的类</a:t>
+            </a:r>
+          </a:p>
+        </p:txBody>
+      </p:sp>
+    </p:spTree>
+    <p:extLst>
+      <p:ext uri="{BB962C8B-B14F-4D97-AF65-F5344CB8AC3E}">
+        <p14:creationId xmlns:p14="http://schemas.microsoft.com/office/powerpoint/2010/main" val="2921477474"/>
       </p:ext>
     </p:extLst>
   </p:cSld>

--- a/bishe/理解并发程序修改模式.pptx
+++ b/bishe/理解并发程序修改模式.pptx
@@ -11,14 +11,15 @@
     <p:sldId id="263" r:id="rId5"/>
     <p:sldId id="264" r:id="rId6"/>
     <p:sldId id="260" r:id="rId7"/>
-    <p:sldId id="261" r:id="rId8"/>
-    <p:sldId id="265" r:id="rId9"/>
+    <p:sldId id="265" r:id="rId8"/>
+    <p:sldId id="271" r:id="rId9"/>
     <p:sldId id="269" r:id="rId10"/>
     <p:sldId id="266" r:id="rId11"/>
     <p:sldId id="267" r:id="rId12"/>
     <p:sldId id="268" r:id="rId13"/>
     <p:sldId id="262" r:id="rId14"/>
-    <p:sldId id="258" r:id="rId15"/>
+    <p:sldId id="270" r:id="rId15"/>
+    <p:sldId id="258" r:id="rId16"/>
   </p:sldIdLst>
   <p:sldSz cx="9144000" cy="6858000" type="screen4x3"/>
   <p:notesSz cx="6858000" cy="9144000"/>
@@ -3094,7 +3095,7 @@
             </a:r>
             <a:r>
               <a:rPr lang="en-US" altLang="zh-CN" dirty="0"/>
-              <a:t>– RQ2</a:t>
+              <a:t>- RQ2</a:t>
             </a:r>
             <a:endParaRPr lang="zh-CN" altLang="en-US" dirty="0"/>
           </a:p>
@@ -3194,7 +3195,7 @@
             </a:r>
             <a:r>
               <a:rPr lang="en-US" altLang="zh-CN" dirty="0"/>
-              <a:t>– RQ3</a:t>
+              <a:t>- RQ3</a:t>
             </a:r>
             <a:endParaRPr lang="zh-CN" altLang="en-US" dirty="0"/>
           </a:p>
@@ -3273,7 +3274,7 @@
             </a:r>
             <a:r>
               <a:rPr lang="en-US" altLang="zh-CN" dirty="0"/>
-              <a:t>– RQ4</a:t>
+              <a:t>- RQ4</a:t>
             </a:r>
             <a:endParaRPr lang="zh-CN" altLang="en-US" dirty="0"/>
           </a:p>
@@ -3312,6 +3313,13 @@
             <a:r>
               <a:rPr lang="zh-CN" altLang="en-US" dirty="0"/>
               <a:t>已经有被合并的请求</a:t>
+            </a:r>
+            <a:endParaRPr lang="en-US" altLang="zh-CN" dirty="0"/>
+          </a:p>
+          <a:p>
+            <a:r>
+              <a:rPr lang="zh-CN" altLang="en-US" dirty="0"/>
+              <a:t>开源界的一小步</a:t>
             </a:r>
           </a:p>
         </p:txBody>
@@ -3404,7 +3412,7 @@
             </a:r>
             <a:r>
               <a:rPr lang="zh-CN" altLang="en-US" dirty="0"/>
-              <a:t>类</a:t>
+              <a:t>类会议</a:t>
             </a:r>
           </a:p>
         </p:txBody>
@@ -3456,6 +3464,106 @@
           <a:p>
             <a:r>
               <a:rPr lang="zh-CN" altLang="en-US" dirty="0"/>
+              <a:t>我的</a:t>
+            </a:r>
+            <a:r>
+              <a:rPr lang="en-US" altLang="zh-CN" dirty="0" err="1"/>
+              <a:t>Github</a:t>
+            </a:r>
+            <a:endParaRPr lang="zh-CN" altLang="en-US" dirty="0"/>
+          </a:p>
+        </p:txBody>
+      </p:sp>
+      <p:sp>
+        <p:nvSpPr>
+          <p:cNvPr id="3" name="内容占位符 2"/>
+          <p:cNvSpPr>
+            <a:spLocks noGrp="1"/>
+          </p:cNvSpPr>
+          <p:nvPr>
+            <p:ph idx="1"/>
+          </p:nvPr>
+        </p:nvSpPr>
+        <p:spPr/>
+        <p:txBody>
+          <a:bodyPr/>
+          <a:lstStyle/>
+          <a:p>
+            <a:endParaRPr lang="zh-CN" altLang="en-US" dirty="0"/>
+          </a:p>
+        </p:txBody>
+      </p:sp>
+      <p:pic>
+        <p:nvPicPr>
+          <p:cNvPr id="5" name="图片 4"/>
+          <p:cNvPicPr>
+            <a:picLocks noChangeAspect="1"/>
+          </p:cNvPicPr>
+          <p:nvPr/>
+        </p:nvPicPr>
+        <p:blipFill>
+          <a:blip r:embed="rId2"/>
+          <a:stretch>
+            <a:fillRect/>
+          </a:stretch>
+        </p:blipFill>
+        <p:spPr>
+          <a:xfrm>
+            <a:off x="0" y="2595863"/>
+            <a:ext cx="9144000" cy="2369655"/>
+          </a:xfrm>
+          <a:prstGeom prst="rect">
+            <a:avLst/>
+          </a:prstGeom>
+        </p:spPr>
+      </p:pic>
+    </p:spTree>
+    <p:extLst>
+      <p:ext uri="{BB962C8B-B14F-4D97-AF65-F5344CB8AC3E}">
+        <p14:creationId xmlns:p14="http://schemas.microsoft.com/office/powerpoint/2010/main" val="673439385"/>
+      </p:ext>
+    </p:extLst>
+  </p:cSld>
+  <p:clrMapOvr>
+    <a:masterClrMapping/>
+  </p:clrMapOvr>
+</p:sld>
+</file>
+
+<file path=ppt/slides/slide15.xml><?xml version="1.0" encoding="utf-8"?>
+<p:sld xmlns:a="http://schemas.openxmlformats.org/drawingml/2006/main" xmlns:r="http://schemas.openxmlformats.org/officeDocument/2006/relationships" xmlns:p="http://schemas.openxmlformats.org/presentationml/2006/main">
+  <p:cSld>
+    <p:spTree>
+      <p:nvGrpSpPr>
+        <p:cNvPr id="1" name=""/>
+        <p:cNvGrpSpPr/>
+        <p:nvPr/>
+      </p:nvGrpSpPr>
+      <p:grpSpPr>
+        <a:xfrm>
+          <a:off x="0" y="0"/>
+          <a:ext cx="0" cy="0"/>
+          <a:chOff x="0" y="0"/>
+          <a:chExt cx="0" cy="0"/>
+        </a:xfrm>
+      </p:grpSpPr>
+      <p:sp>
+        <p:nvSpPr>
+          <p:cNvPr id="2" name="标题 1"/>
+          <p:cNvSpPr>
+            <a:spLocks noGrp="1"/>
+          </p:cNvSpPr>
+          <p:nvPr>
+            <p:ph type="title"/>
+          </p:nvPr>
+        </p:nvSpPr>
+        <p:spPr/>
+        <p:txBody>
+          <a:bodyPr/>
+          <a:lstStyle/>
+          <a:p>
+            <a:r>
+              <a:rPr lang="zh-CN" altLang="en-US" dirty="0"/>
               <a:t>引用</a:t>
             </a:r>
           </a:p>
@@ -3473,36 +3581,105 @@
         </p:nvSpPr>
         <p:spPr/>
         <p:txBody>
-          <a:bodyPr/>
-          <a:lstStyle/>
-          <a:p>
-            <a:r>
-              <a:rPr lang="en-US" altLang="zh-CN" dirty="0"/>
+          <a:bodyPr>
+            <a:normAutofit/>
+          </a:bodyPr>
+          <a:lstStyle/>
+          <a:p>
+            <a:r>
+              <a:rPr lang="en-US" altLang="zh-CN" sz="2000" dirty="0">
+                <a:latin typeface="Times New Roman" panose="02020603050405020304" pitchFamily="18" charset="0"/>
+                <a:cs typeface="Times New Roman" panose="02020603050405020304" pitchFamily="18" charset="0"/>
+              </a:rPr>
               <a:t>[1] Pinto, Gustavo, et al. "A large-scale study on the usage of java’s concurrent programming constructs." Journal of Systems and Software 106 (2015): 59-81.</a:t>
             </a:r>
           </a:p>
           <a:p>
             <a:r>
-              <a:rPr lang="en-US" altLang="zh-CN" dirty="0"/>
+              <a:rPr lang="en-US" altLang="zh-CN" sz="2000" dirty="0">
+                <a:latin typeface="Times New Roman" panose="02020603050405020304" pitchFamily="18" charset="0"/>
+                <a:cs typeface="Times New Roman" panose="02020603050405020304" pitchFamily="18" charset="0"/>
+              </a:rPr>
               <a:t>[2] Lin, </a:t>
             </a:r>
             <a:r>
-              <a:rPr lang="en-US" altLang="zh-CN" dirty="0" err="1"/>
+              <a:rPr lang="en-US" altLang="zh-CN" sz="2000" dirty="0" err="1">
+                <a:latin typeface="Times New Roman" panose="02020603050405020304" pitchFamily="18" charset="0"/>
+                <a:cs typeface="Times New Roman" panose="02020603050405020304" pitchFamily="18" charset="0"/>
+              </a:rPr>
               <a:t>Ziyi</a:t>
             </a:r>
             <a:r>
-              <a:rPr lang="en-US" altLang="zh-CN" dirty="0"/>
+              <a:rPr lang="en-US" altLang="zh-CN" sz="2000" dirty="0">
+                <a:latin typeface="Times New Roman" panose="02020603050405020304" pitchFamily="18" charset="0"/>
+                <a:cs typeface="Times New Roman" panose="02020603050405020304" pitchFamily="18" charset="0"/>
+              </a:rPr>
               <a:t>, et al. "</a:t>
             </a:r>
             <a:r>
-              <a:rPr lang="en-US" altLang="zh-CN" dirty="0" err="1"/>
+              <a:rPr lang="en-US" altLang="zh-CN" sz="2000" dirty="0" err="1">
+                <a:latin typeface="Times New Roman" panose="02020603050405020304" pitchFamily="18" charset="0"/>
+                <a:cs typeface="Times New Roman" panose="02020603050405020304" pitchFamily="18" charset="0"/>
+              </a:rPr>
               <a:t>JaConTeBe</a:t>
             </a:r>
             <a:r>
-              <a:rPr lang="en-US" altLang="zh-CN" dirty="0"/>
+              <a:rPr lang="en-US" altLang="zh-CN" sz="2000" dirty="0">
+                <a:latin typeface="Times New Roman" panose="02020603050405020304" pitchFamily="18" charset="0"/>
+                <a:cs typeface="Times New Roman" panose="02020603050405020304" pitchFamily="18" charset="0"/>
+              </a:rPr>
               <a:t>: A Benchmark Suite of Real-World Java Concurrency Bugs (T)." Automated Software Engineering (ASE), 2015 30th IEEE/ACM International Conference on. IEEE, 2015.</a:t>
             </a:r>
-            <a:endParaRPr lang="zh-CN" altLang="en-US" dirty="0"/>
+          </a:p>
+          <a:p>
+            <a:r>
+              <a:rPr lang="en-US" altLang="zh-CN" sz="2000" dirty="0">
+                <a:latin typeface="Times New Roman" panose="02020603050405020304" pitchFamily="18" charset="0"/>
+                <a:cs typeface="Times New Roman" panose="02020603050405020304" pitchFamily="18" charset="0"/>
+              </a:rPr>
+              <a:t>[3] </a:t>
+            </a:r>
+            <a:r>
+              <a:rPr lang="en-US" altLang="zh-CN" sz="2000" dirty="0">
+                <a:latin typeface="Times New Roman" panose="02020603050405020304" pitchFamily="18" charset="0"/>
+                <a:cs typeface="Times New Roman" panose="02020603050405020304" pitchFamily="18" charset="0"/>
+              </a:rPr>
+              <a:t>Tian, Yuan, Julia </a:t>
+            </a:r>
+            <a:r>
+              <a:rPr lang="en-US" altLang="zh-CN" sz="2000" dirty="0" err="1">
+                <a:latin typeface="Times New Roman" panose="02020603050405020304" pitchFamily="18" charset="0"/>
+                <a:cs typeface="Times New Roman" panose="02020603050405020304" pitchFamily="18" charset="0"/>
+              </a:rPr>
+              <a:t>Lawall</a:t>
+            </a:r>
+            <a:r>
+              <a:rPr lang="en-US" altLang="zh-CN" sz="2000" dirty="0">
+                <a:latin typeface="Times New Roman" panose="02020603050405020304" pitchFamily="18" charset="0"/>
+                <a:cs typeface="Times New Roman" panose="02020603050405020304" pitchFamily="18" charset="0"/>
+              </a:rPr>
+              <a:t>, and David Lo. "Identifying </a:t>
+            </a:r>
+            <a:r>
+              <a:rPr lang="en-US" altLang="zh-CN" sz="2000" dirty="0" err="1">
+                <a:latin typeface="Times New Roman" panose="02020603050405020304" pitchFamily="18" charset="0"/>
+                <a:cs typeface="Times New Roman" panose="02020603050405020304" pitchFamily="18" charset="0"/>
+              </a:rPr>
+              <a:t>linux</a:t>
+            </a:r>
+            <a:r>
+              <a:rPr lang="en-US" altLang="zh-CN" sz="2000" dirty="0">
+                <a:latin typeface="Times New Roman" panose="02020603050405020304" pitchFamily="18" charset="0"/>
+                <a:cs typeface="Times New Roman" panose="02020603050405020304" pitchFamily="18" charset="0"/>
+              </a:rPr>
+              <a:t> bug fixing patches." 2012 34th International Conference on Software Engineering (ICSE). IEEE, 2012.</a:t>
+            </a:r>
+          </a:p>
+          <a:p>
+            <a:endParaRPr lang="zh-CN" altLang="en-US" sz="2000" dirty="0">
+              <a:latin typeface="Times New Roman" panose="02020603050405020304" pitchFamily="18" charset="0"/>
+              <a:cs typeface="Times New Roman" panose="02020603050405020304" pitchFamily="18" charset="0"/>
+            </a:endParaRPr>
           </a:p>
         </p:txBody>
       </p:sp>
@@ -3570,7 +3747,9 @@
         </p:nvSpPr>
         <p:spPr/>
         <p:txBody>
-          <a:bodyPr/>
+          <a:bodyPr>
+            <a:normAutofit/>
+          </a:bodyPr>
           <a:lstStyle/>
           <a:p>
             <a:r>
@@ -3615,6 +3794,14 @@
             <a:endParaRPr lang="en-US" altLang="zh-CN" dirty="0"/>
           </a:p>
           <a:p>
+            <a:pPr lvl="1"/>
+            <a:r>
+              <a:rPr lang="zh-CN" altLang="en-US" dirty="0"/>
+              <a:t>竞争，死锁，活锁，饿死；重现错误困难</a:t>
+            </a:r>
+            <a:endParaRPr lang="en-US" altLang="zh-CN" dirty="0"/>
+          </a:p>
+          <a:p>
             <a:r>
               <a:rPr lang="zh-CN" altLang="en-US" dirty="0"/>
               <a:t>并发程序的研究很多</a:t>
@@ -3673,6 +3860,14 @@
             <a:r>
               <a:rPr lang="zh-CN" altLang="en-US" dirty="0"/>
               <a:t>代码历史中蕴含很多有用的信息</a:t>
+            </a:r>
+            <a:endParaRPr lang="en-US" altLang="zh-CN" dirty="0"/>
+          </a:p>
+          <a:p>
+            <a:pPr lvl="1"/>
+            <a:r>
+              <a:rPr lang="zh-CN" altLang="en-US" dirty="0"/>
+              <a:t>机器可以学下围棋，同样可以学写代码</a:t>
             </a:r>
             <a:endParaRPr lang="en-US" altLang="zh-CN" dirty="0"/>
           </a:p>
@@ -3871,9 +4066,41 @@
             <a:endParaRPr lang="en-US" altLang="zh-CN" dirty="0"/>
           </a:p>
           <a:p>
-            <a:r>
-              <a:rPr lang="zh-CN" altLang="en-US" dirty="0"/>
-              <a:t>如何识别那些上下文依赖是修改模式相关的</a:t>
+            <a:pPr lvl="1"/>
+            <a:r>
+              <a:rPr lang="zh-CN" altLang="en-US" dirty="0"/>
+              <a:t>一些修改与并发无关</a:t>
+            </a:r>
+            <a:endParaRPr lang="en-US" altLang="zh-CN" dirty="0"/>
+          </a:p>
+          <a:p>
+            <a:pPr lvl="1"/>
+            <a:r>
+              <a:rPr lang="zh-CN" altLang="en-US" dirty="0"/>
+              <a:t>一些修改是增删功能，不是对原代码的修改</a:t>
+            </a:r>
+            <a:endParaRPr lang="en-US" altLang="zh-CN" dirty="0"/>
+          </a:p>
+          <a:p>
+            <a:r>
+              <a:rPr lang="zh-CN" altLang="en-US" dirty="0"/>
+              <a:t>如何识别哪些上下文依赖是修改模式相关的</a:t>
+            </a:r>
+            <a:endParaRPr lang="en-US" altLang="zh-CN" dirty="0"/>
+          </a:p>
+          <a:p>
+            <a:pPr lvl="1"/>
+            <a:r>
+              <a:rPr lang="zh-CN" altLang="en-US" dirty="0"/>
+              <a:t>可能跨文件</a:t>
+            </a:r>
+            <a:endParaRPr lang="en-US" altLang="zh-CN" dirty="0"/>
+          </a:p>
+          <a:p>
+            <a:pPr lvl="1"/>
+            <a:r>
+              <a:rPr lang="zh-CN" altLang="en-US" dirty="0"/>
+              <a:t>可能与环境有关</a:t>
             </a:r>
           </a:p>
         </p:txBody>
@@ -4050,6 +4277,34 @@
               <a:rPr lang="zh-CN" altLang="en-US" dirty="0"/>
               <a:t>使用一定的方法选出并发相关修改</a:t>
             </a:r>
+            <a:endParaRPr lang="en-US" altLang="zh-CN" dirty="0"/>
+          </a:p>
+          <a:p>
+            <a:pPr lvl="1"/>
+            <a:r>
+              <a:rPr lang="en-US" altLang="zh-CN" dirty="0"/>
+              <a:t>Yuan Tian[3]</a:t>
+            </a:r>
+            <a:r>
+              <a:rPr lang="zh-CN" altLang="en-US" dirty="0"/>
+              <a:t>等人使用分类算法对</a:t>
+            </a:r>
+            <a:r>
+              <a:rPr lang="en-US" altLang="zh-CN" dirty="0" err="1"/>
+              <a:t>linux</a:t>
+            </a:r>
+            <a:r>
+              <a:rPr lang="zh-CN" altLang="en-US" dirty="0"/>
+              <a:t>错误修复补丁进行识别</a:t>
+            </a:r>
+            <a:endParaRPr lang="en-US" altLang="zh-CN" dirty="0"/>
+          </a:p>
+          <a:p>
+            <a:pPr lvl="1"/>
+            <a:r>
+              <a:rPr lang="zh-CN" altLang="en-US" dirty="0"/>
+              <a:t>文本分析和代码分析结合</a:t>
+            </a:r>
           </a:p>
           <a:p>
             <a:r>
@@ -4109,56 +4364,49 @@
           <a:p>
             <a:r>
               <a:rPr lang="zh-CN" altLang="en-US" dirty="0"/>
-              <a:t>结果</a:t>
-            </a:r>
-          </a:p>
-        </p:txBody>
-      </p:sp>
-      <p:sp>
-        <p:nvSpPr>
-          <p:cNvPr id="3" name="内容占位符 2"/>
-          <p:cNvSpPr>
-            <a:spLocks noGrp="1"/>
-          </p:cNvSpPr>
+              <a:t>结果 </a:t>
+            </a:r>
+            <a:r>
+              <a:rPr lang="en-US" altLang="zh-CN" dirty="0"/>
+              <a:t>- RQ1</a:t>
+            </a:r>
+            <a:endParaRPr lang="zh-CN" altLang="en-US" dirty="0"/>
+          </a:p>
+        </p:txBody>
+      </p:sp>
+      <p:pic>
+        <p:nvPicPr>
+          <p:cNvPr id="4" name="内容占位符 3"/>
+          <p:cNvPicPr>
+            <a:picLocks noGrp="1" noChangeAspect="1"/>
+          </p:cNvPicPr>
           <p:nvPr>
             <p:ph idx="1"/>
           </p:nvPr>
-        </p:nvSpPr>
-        <p:spPr/>
-        <p:txBody>
-          <a:bodyPr/>
-          <a:lstStyle/>
-          <a:p>
-            <a:r>
-              <a:rPr lang="en-US" altLang="zh-CN" dirty="0"/>
-              <a:t>RQ1</a:t>
-            </a:r>
-          </a:p>
-          <a:p>
-            <a:r>
-              <a:rPr lang="en-US" altLang="zh-CN" dirty="0"/>
-              <a:t>RQ2</a:t>
-            </a:r>
-          </a:p>
-          <a:p>
-            <a:r>
-              <a:rPr lang="en-US" altLang="zh-CN" dirty="0"/>
-              <a:t>RQ3</a:t>
-            </a:r>
-          </a:p>
-          <a:p>
-            <a:r>
-              <a:rPr lang="en-US" altLang="zh-CN" dirty="0"/>
-              <a:t>RQ4</a:t>
-            </a:r>
-            <a:endParaRPr lang="zh-CN" altLang="en-US" dirty="0"/>
-          </a:p>
-        </p:txBody>
-      </p:sp>
+        </p:nvPicPr>
+        <p:blipFill>
+          <a:blip r:embed="rId2">
+            <a:extLst>
+              <a:ext uri="{28A0092B-C50C-407E-A947-70E740481C1C}">
+                <a14:useLocalDpi xmlns:a14="http://schemas.microsoft.com/office/drawing/2010/main" val="0"/>
+              </a:ext>
+            </a:extLst>
+          </a:blip>
+          <a:stretch>
+            <a:fillRect/>
+          </a:stretch>
+        </p:blipFill>
+        <p:spPr>
+          <a:xfrm>
+            <a:off x="0" y="1313385"/>
+            <a:ext cx="9144000" cy="5544615"/>
+          </a:xfrm>
+        </p:spPr>
+      </p:pic>
     </p:spTree>
     <p:extLst>
       <p:ext uri="{BB962C8B-B14F-4D97-AF65-F5344CB8AC3E}">
-        <p14:creationId xmlns:p14="http://schemas.microsoft.com/office/powerpoint/2010/main" val="45279560"/>
+        <p14:creationId xmlns:p14="http://schemas.microsoft.com/office/powerpoint/2010/main" val="3829158923"/>
       </p:ext>
     </p:extLst>
   </p:cSld>
@@ -4200,51 +4448,57 @@
           <a:bodyPr/>
           <a:lstStyle/>
           <a:p>
-            <a:r>
-              <a:rPr lang="zh-CN" altLang="en-US" dirty="0"/>
-              <a:t>结果 </a:t>
-            </a:r>
-            <a:r>
-              <a:rPr lang="en-US" altLang="zh-CN" dirty="0"/>
-              <a:t>- RQ1</a:t>
-            </a:r>
-            <a:endParaRPr lang="zh-CN" altLang="en-US" dirty="0"/>
+            <a:endParaRPr lang="zh-CN" altLang="en-US"/>
+          </a:p>
+        </p:txBody>
+      </p:sp>
+      <p:sp>
+        <p:nvSpPr>
+          <p:cNvPr id="3" name="内容占位符 2"/>
+          <p:cNvSpPr>
+            <a:spLocks noGrp="1"/>
+          </p:cNvSpPr>
+          <p:nvPr>
+            <p:ph idx="1"/>
+          </p:nvPr>
+        </p:nvSpPr>
+        <p:spPr/>
+        <p:txBody>
+          <a:bodyPr/>
+          <a:lstStyle/>
+          <a:p>
+            <a:endParaRPr lang="zh-CN" altLang="en-US"/>
           </a:p>
         </p:txBody>
       </p:sp>
       <p:pic>
         <p:nvPicPr>
-          <p:cNvPr id="4" name="内容占位符 3"/>
+          <p:cNvPr id="4" name="图片 3"/>
           <p:cNvPicPr>
-            <a:picLocks noGrp="1" noChangeAspect="1"/>
+            <a:picLocks noChangeAspect="1"/>
           </p:cNvPicPr>
-          <p:nvPr>
-            <p:ph idx="1"/>
-          </p:nvPr>
+          <p:nvPr/>
         </p:nvPicPr>
         <p:blipFill>
-          <a:blip r:embed="rId2">
-            <a:extLst>
-              <a:ext uri="{28A0092B-C50C-407E-A947-70E740481C1C}">
-                <a14:useLocalDpi xmlns:a14="http://schemas.microsoft.com/office/drawing/2010/main" val="0"/>
-              </a:ext>
-            </a:extLst>
-          </a:blip>
+          <a:blip r:embed="rId2"/>
           <a:stretch>
             <a:fillRect/>
           </a:stretch>
         </p:blipFill>
         <p:spPr>
           <a:xfrm>
-            <a:off x="0" y="1313385"/>
-            <a:ext cx="9144000" cy="5544615"/>
+            <a:off x="1454298" y="0"/>
+            <a:ext cx="6235403" cy="6858000"/>
           </a:xfrm>
+          <a:prstGeom prst="rect">
+            <a:avLst/>
+          </a:prstGeom>
         </p:spPr>
       </p:pic>
     </p:spTree>
     <p:extLst>
       <p:ext uri="{BB962C8B-B14F-4D97-AF65-F5344CB8AC3E}">
-        <p14:creationId xmlns:p14="http://schemas.microsoft.com/office/powerpoint/2010/main" val="3829158923"/>
+        <p14:creationId xmlns:p14="http://schemas.microsoft.com/office/powerpoint/2010/main" val="3337859435"/>
       </p:ext>
     </p:extLst>
   </p:cSld>
